--- a/00참고자료/1201_git 가이드.pptx
+++ b/00참고자료/1201_git 가이드.pptx
@@ -10,6 +10,7 @@
     <p:sldId id="259" r:id="rId4"/>
     <p:sldId id="258" r:id="rId5"/>
     <p:sldId id="260" r:id="rId6"/>
+    <p:sldId id="261" r:id="rId7"/>
   </p:sldIdLst>
   <p:sldSz cx="12192000" cy="6858000"/>
   <p:notesSz cx="6858000" cy="9144000"/>
@@ -4453,12 +4454,16 @@
           <a:lstStyle/>
           <a:p>
             <a:r>
-              <a:rPr lang="en-US" altLang="ko-KR"/>
+              <a:rPr lang="en-US" altLang="ko-KR" dirty="0"/>
               <a:t>S</a:t>
             </a:r>
             <a:r>
-              <a:rPr lang="ko-KR" altLang="en-US"/>
-              <a:t>ub </a:t>
+              <a:rPr lang="ko-KR" altLang="en-US" dirty="0" err="1"/>
+              <a:t>ub</a:t>
+            </a:r>
+            <a:r>
+              <a:rPr lang="ko-KR" altLang="en-US" dirty="0"/>
+              <a:t> </a:t>
             </a:r>
             <a:r>
               <a:rPr lang="ko-KR" altLang="en-US" dirty="0" err="1"/>
@@ -4479,12 +4484,16 @@
           </a:p>
           <a:p>
             <a:r>
-              <a:rPr lang="en-US" altLang="ko-KR"/>
+              <a:rPr lang="en-US" altLang="ko-KR" dirty="0"/>
               <a:t>G</a:t>
             </a:r>
             <a:r>
-              <a:rPr lang="ko-KR" altLang="en-US"/>
-              <a:t>it </a:t>
+              <a:rPr lang="ko-KR" altLang="en-US" dirty="0" err="1"/>
+              <a:t>it</a:t>
+            </a:r>
+            <a:r>
+              <a:rPr lang="ko-KR" altLang="en-US" dirty="0"/>
+              <a:t> </a:t>
             </a:r>
             <a:r>
               <a:rPr lang="ko-KR" altLang="en-US" dirty="0" err="1"/>
@@ -4508,12 +4517,16 @@
           </a:p>
           <a:p>
             <a:r>
-              <a:rPr lang="en-US" altLang="ko-KR"/>
+              <a:rPr lang="en-US" altLang="ko-KR" dirty="0"/>
               <a:t>M</a:t>
             </a:r>
             <a:r>
-              <a:rPr lang="ko-KR" altLang="en-US"/>
-              <a:t>ain </a:t>
+              <a:rPr lang="ko-KR" altLang="en-US" dirty="0" err="1"/>
+              <a:t>ain</a:t>
+            </a:r>
+            <a:r>
+              <a:rPr lang="ko-KR" altLang="en-US" dirty="0"/>
+              <a:t> </a:t>
             </a:r>
             <a:r>
               <a:rPr lang="ko-KR" altLang="en-US" dirty="0" err="1"/>
@@ -4671,6 +4684,148 @@
     <p:extLst>
       <p:ext uri="{BB962C8B-B14F-4D97-AF65-F5344CB8AC3E}">
         <p14:creationId xmlns:p14="http://schemas.microsoft.com/office/powerpoint/2010/main" val="3936677860"/>
+      </p:ext>
+    </p:extLst>
+  </p:cSld>
+  <p:clrMapOvr>
+    <a:masterClrMapping/>
+  </p:clrMapOvr>
+</p:sld>
+</file>
+
+<file path=ppt/slides/slide6.xml><?xml version="1.0" encoding="utf-8"?>
+<p:sld xmlns:a="http://schemas.openxmlformats.org/drawingml/2006/main" xmlns:r="http://schemas.openxmlformats.org/officeDocument/2006/relationships" xmlns:p="http://schemas.openxmlformats.org/presentationml/2006/main">
+  <p:cSld>
+    <p:spTree>
+      <p:nvGrpSpPr>
+        <p:cNvPr id="1" name=""/>
+        <p:cNvGrpSpPr/>
+        <p:nvPr/>
+      </p:nvGrpSpPr>
+      <p:grpSpPr>
+        <a:xfrm>
+          <a:off x="0" y="0"/>
+          <a:ext cx="0" cy="0"/>
+          <a:chOff x="0" y="0"/>
+          <a:chExt cx="0" cy="0"/>
+        </a:xfrm>
+      </p:grpSpPr>
+      <p:pic>
+        <p:nvPicPr>
+          <p:cNvPr id="2" name="그림 1">
+            <a:extLst>
+              <a:ext uri="{FF2B5EF4-FFF2-40B4-BE49-F238E27FC236}">
+                <a16:creationId xmlns:a16="http://schemas.microsoft.com/office/drawing/2014/main" id="{B200BC9D-77ED-4B03-8FB0-721766BE273E}"/>
+              </a:ext>
+            </a:extLst>
+          </p:cNvPr>
+          <p:cNvPicPr>
+            <a:picLocks noChangeAspect="1"/>
+          </p:cNvPicPr>
+          <p:nvPr/>
+        </p:nvPicPr>
+        <p:blipFill>
+          <a:blip r:embed="rId2"/>
+          <a:stretch>
+            <a:fillRect/>
+          </a:stretch>
+        </p:blipFill>
+        <p:spPr>
+          <a:xfrm>
+            <a:off x="380944" y="287784"/>
+            <a:ext cx="9016246" cy="3492908"/>
+          </a:xfrm>
+          <a:prstGeom prst="rect">
+            <a:avLst/>
+          </a:prstGeom>
+        </p:spPr>
+      </p:pic>
+      <p:sp>
+        <p:nvSpPr>
+          <p:cNvPr id="3" name="TextBox 2">
+            <a:extLst>
+              <a:ext uri="{FF2B5EF4-FFF2-40B4-BE49-F238E27FC236}">
+                <a16:creationId xmlns:a16="http://schemas.microsoft.com/office/drawing/2014/main" id="{0C72B880-F57C-4783-9792-F62244895177}"/>
+              </a:ext>
+            </a:extLst>
+          </p:cNvPr>
+          <p:cNvSpPr txBox="1"/>
+          <p:nvPr/>
+        </p:nvSpPr>
+        <p:spPr>
+          <a:xfrm>
+            <a:off x="524610" y="4132110"/>
+            <a:ext cx="6093068" cy="923330"/>
+          </a:xfrm>
+          <a:prstGeom prst="rect">
+            <a:avLst/>
+          </a:prstGeom>
+          <a:noFill/>
+        </p:spPr>
+        <p:txBody>
+          <a:bodyPr wrap="square">
+            <a:spAutoFit/>
+          </a:bodyPr>
+          <a:lstStyle/>
+          <a:p>
+            <a:r>
+              <a:rPr lang="ko-KR" altLang="en-US" dirty="0"/>
+              <a:t>다른 로컬에서 </a:t>
+            </a:r>
+            <a:r>
+              <a:rPr lang="en-US" altLang="ko-KR" dirty="0"/>
+              <a:t>git</a:t>
+            </a:r>
+            <a:r>
+              <a:rPr lang="ko-KR" altLang="en-US" dirty="0"/>
+              <a:t> </a:t>
+            </a:r>
+            <a:r>
+              <a:rPr lang="en-US" altLang="ko-KR" dirty="0"/>
+              <a:t>push</a:t>
+            </a:r>
+            <a:r>
+              <a:rPr lang="ko-KR" altLang="en-US" dirty="0"/>
+              <a:t>했을 때</a:t>
+            </a:r>
+            <a:endParaRPr lang="en-US" altLang="ko-KR" dirty="0"/>
+          </a:p>
+          <a:p>
+            <a:endParaRPr lang="en-US" altLang="ko-KR" dirty="0"/>
+          </a:p>
+          <a:p>
+            <a:r>
+              <a:rPr lang="ko-KR" altLang="en-US" dirty="0"/>
+              <a:t>늦게 올린 쪽에서 </a:t>
+            </a:r>
+            <a:r>
+              <a:rPr lang="en-US" altLang="ko-KR" dirty="0"/>
+              <a:t>git pull</a:t>
+            </a:r>
+            <a:r>
+              <a:rPr lang="ko-KR" altLang="en-US" dirty="0"/>
+              <a:t>을 해주고 다시 </a:t>
+            </a:r>
+            <a:r>
+              <a:rPr lang="en-US" altLang="ko-KR" dirty="0"/>
+              <a:t>push</a:t>
+            </a:r>
+            <a:r>
+              <a:rPr lang="ko-KR" altLang="en-US" dirty="0"/>
+              <a:t>한다</a:t>
+            </a:r>
+            <a:r>
+              <a:rPr lang="en-US" altLang="ko-KR" dirty="0"/>
+              <a:t>.</a:t>
+            </a:r>
+            <a:endParaRPr lang="ko-KR" altLang="en-US" dirty="0"/>
+          </a:p>
+        </p:txBody>
+      </p:sp>
+    </p:spTree>
+    <p:extLst>
+      <p:ext uri="{BB962C8B-B14F-4D97-AF65-F5344CB8AC3E}">
+        <p14:creationId xmlns:p14="http://schemas.microsoft.com/office/powerpoint/2010/main" val="2596309201"/>
       </p:ext>
     </p:extLst>
   </p:cSld>
